--- a/Illustrations.pptx
+++ b/Illustrations.pptx
@@ -10,6 +10,10 @@
     <p:sldId id="258" r:id="rId4"/>
     <p:sldId id="259" r:id="rId5"/>
     <p:sldId id="260" r:id="rId6"/>
+    <p:sldId id="261" r:id="rId7"/>
+    <p:sldId id="262" r:id="rId8"/>
+    <p:sldId id="263" r:id="rId9"/>
+    <p:sldId id="264" r:id="rId10"/>
   </p:sldIdLst>
   <p:sldSz cx="12192000" cy="6858000"/>
   <p:notesSz cx="6858000" cy="9144000"/>
@@ -4929,6 +4933,1289 @@
 </p:sld>
 </file>
 
+<file path=ppt/slides/slide6.xml><?xml version="1.0" encoding="utf-8"?>
+<p:sld xmlns:a="http://schemas.openxmlformats.org/drawingml/2006/main" xmlns:r="http://schemas.openxmlformats.org/officeDocument/2006/relationships" xmlns:p="http://schemas.openxmlformats.org/presentationml/2006/main">
+  <p:cSld>
+    <p:spTree>
+      <p:nvGrpSpPr>
+        <p:cNvPr id="1" name=""/>
+        <p:cNvGrpSpPr/>
+        <p:nvPr/>
+      </p:nvGrpSpPr>
+      <p:grpSpPr>
+        <a:xfrm>
+          <a:off x="0" y="0"/>
+          <a:ext cx="0" cy="0"/>
+          <a:chOff x="0" y="0"/>
+          <a:chExt cx="0" cy="0"/>
+        </a:xfrm>
+      </p:grpSpPr>
+      <p:sp>
+        <p:nvSpPr>
+          <p:cNvPr id="2" name="TextBox 1">
+            <a:extLst>
+              <a:ext uri="{FF2B5EF4-FFF2-40B4-BE49-F238E27FC236}">
+                <a16:creationId xmlns:a16="http://schemas.microsoft.com/office/drawing/2014/main" id="{74694CA7-45BA-4F0D-ADD0-DA066658A84A}"/>
+              </a:ext>
+            </a:extLst>
+          </p:cNvPr>
+          <p:cNvSpPr txBox="1"/>
+          <p:nvPr/>
+        </p:nvSpPr>
+        <p:spPr>
+          <a:xfrm>
+            <a:off x="158757" y="112115"/>
+            <a:ext cx="779765" cy="369332"/>
+          </a:xfrm>
+          <a:prstGeom prst="rect">
+            <a:avLst/>
+          </a:prstGeom>
+          <a:noFill/>
+        </p:spPr>
+        <p:txBody>
+          <a:bodyPr wrap="none" rtlCol="0">
+            <a:spAutoFit/>
+          </a:bodyPr>
+          <a:lstStyle/>
+          <a:p>
+            <a:r>
+              <a:rPr lang="en-IN" b="1"/>
+              <a:t>Step 6</a:t>
+            </a:r>
+          </a:p>
+        </p:txBody>
+      </p:sp>
+      <p:sp>
+        <p:nvSpPr>
+          <p:cNvPr id="3" name="TextBox 2">
+            <a:extLst>
+              <a:ext uri="{FF2B5EF4-FFF2-40B4-BE49-F238E27FC236}">
+                <a16:creationId xmlns:a16="http://schemas.microsoft.com/office/drawing/2014/main" id="{D2896F6E-31FA-4053-B2D6-0CAF28412F9D}"/>
+              </a:ext>
+            </a:extLst>
+          </p:cNvPr>
+          <p:cNvSpPr txBox="1"/>
+          <p:nvPr/>
+        </p:nvSpPr>
+        <p:spPr>
+          <a:xfrm>
+            <a:off x="158757" y="528833"/>
+            <a:ext cx="9794861" cy="2308324"/>
+          </a:xfrm>
+          <a:prstGeom prst="rect">
+            <a:avLst/>
+          </a:prstGeom>
+          <a:noFill/>
+        </p:spPr>
+        <p:txBody>
+          <a:bodyPr wrap="none" rtlCol="0">
+            <a:spAutoFit/>
+          </a:bodyPr>
+          <a:lstStyle/>
+          <a:p>
+            <a:r>
+              <a:rPr lang="en-IN"/>
+              <a:t>Set up AWS account, install mySQL, connect to AWS DB and create few rows in it as guided by Edureka.</a:t>
+            </a:r>
+          </a:p>
+          <a:p>
+            <a:endParaRPr lang="en-IN"/>
+          </a:p>
+          <a:p>
+            <a:r>
+              <a:rPr lang="en-IN"/>
+              <a:t>Below are current credentials we are going to use (we will not focus setting up AWS and mySQL here)</a:t>
+            </a:r>
+          </a:p>
+          <a:p>
+            <a:endParaRPr lang="en-IN"/>
+          </a:p>
+          <a:p>
+            <a:r>
+              <a:rPr lang="en-IN" b="1"/>
+              <a:t>Endpoint/host: 	</a:t>
+            </a:r>
+            <a:r>
+              <a:rPr lang="en-IN"/>
+              <a:t>hapi-mysql-1-parthi2929.cymauzwgfvwy.us-east-2.rds.amazonaws.com</a:t>
+            </a:r>
+          </a:p>
+          <a:p>
+            <a:r>
+              <a:rPr lang="en-IN" b="1"/>
+              <a:t>Username: </a:t>
+            </a:r>
+            <a:r>
+              <a:rPr lang="en-IN"/>
+              <a:t>	parthi2929</a:t>
+            </a:r>
+          </a:p>
+          <a:p>
+            <a:r>
+              <a:rPr lang="en-IN" b="1"/>
+              <a:t>Password:</a:t>
+            </a:r>
+            <a:r>
+              <a:rPr lang="en-IN"/>
+              <a:t>	&lt;</a:t>
+            </a:r>
+            <a:r>
+              <a:rPr lang="en-IN" i="1"/>
+              <a:t>aha,contactme</a:t>
+            </a:r>
+            <a:r>
+              <a:rPr lang="en-IN"/>
+              <a:t>&gt;</a:t>
+            </a:r>
+          </a:p>
+          <a:p>
+            <a:r>
+              <a:rPr lang="en-IN" b="1"/>
+              <a:t>DB:</a:t>
+            </a:r>
+            <a:r>
+              <a:rPr lang="en-IN"/>
+              <a:t> 		parthiDB</a:t>
+            </a:r>
+          </a:p>
+        </p:txBody>
+      </p:sp>
+      <p:pic>
+        <p:nvPicPr>
+          <p:cNvPr id="5" name="Picture 4">
+            <a:extLst>
+              <a:ext uri="{FF2B5EF4-FFF2-40B4-BE49-F238E27FC236}">
+                <a16:creationId xmlns:a16="http://schemas.microsoft.com/office/drawing/2014/main" id="{6D2F4468-C449-46FA-AA1C-093DFC9E5886}"/>
+              </a:ext>
+            </a:extLst>
+          </p:cNvPr>
+          <p:cNvPicPr>
+            <a:picLocks noChangeAspect="1"/>
+          </p:cNvPicPr>
+          <p:nvPr/>
+        </p:nvPicPr>
+        <p:blipFill>
+          <a:blip r:embed="rId2">
+            <a:extLst>
+              <a:ext uri="{28A0092B-C50C-407E-A947-70E740481C1C}">
+                <a14:useLocalDpi xmlns:a14="http://schemas.microsoft.com/office/drawing/2010/main" val="0"/>
+              </a:ext>
+            </a:extLst>
+          </a:blip>
+          <a:stretch>
+            <a:fillRect/>
+          </a:stretch>
+        </p:blipFill>
+        <p:spPr>
+          <a:xfrm>
+            <a:off x="277220" y="3025555"/>
+            <a:ext cx="11873086" cy="3720330"/>
+          </a:xfrm>
+          <a:prstGeom prst="rect">
+            <a:avLst/>
+          </a:prstGeom>
+        </p:spPr>
+      </p:pic>
+      <p:sp>
+        <p:nvSpPr>
+          <p:cNvPr id="8" name="Rectangle 7">
+            <a:extLst>
+              <a:ext uri="{FF2B5EF4-FFF2-40B4-BE49-F238E27FC236}">
+                <a16:creationId xmlns:a16="http://schemas.microsoft.com/office/drawing/2014/main" id="{E97096DC-8AEB-4C34-9523-4366CC184643}"/>
+              </a:ext>
+            </a:extLst>
+          </p:cNvPr>
+          <p:cNvSpPr/>
+          <p:nvPr/>
+        </p:nvSpPr>
+        <p:spPr>
+          <a:xfrm>
+            <a:off x="277219" y="4341646"/>
+            <a:ext cx="11873085" cy="202219"/>
+          </a:xfrm>
+          <a:prstGeom prst="rect">
+            <a:avLst/>
+          </a:prstGeom>
+          <a:solidFill>
+            <a:srgbClr val="FFFF00">
+              <a:alpha val="21176"/>
+            </a:srgbClr>
+          </a:solidFill>
+          <a:ln>
+            <a:noFill/>
+          </a:ln>
+        </p:spPr>
+        <p:style>
+          <a:lnRef idx="2">
+            <a:schemeClr val="accent1">
+              <a:shade val="50000"/>
+            </a:schemeClr>
+          </a:lnRef>
+          <a:fillRef idx="1">
+            <a:schemeClr val="accent1"/>
+          </a:fillRef>
+          <a:effectRef idx="0">
+            <a:schemeClr val="accent1"/>
+          </a:effectRef>
+          <a:fontRef idx="minor">
+            <a:schemeClr val="lt1"/>
+          </a:fontRef>
+        </p:style>
+        <p:txBody>
+          <a:bodyPr rtlCol="0" anchor="ctr"/>
+          <a:lstStyle/>
+          <a:p>
+            <a:pPr algn="ctr"/>
+            <a:endParaRPr lang="en-IN"/>
+          </a:p>
+        </p:txBody>
+      </p:sp>
+    </p:spTree>
+    <p:extLst>
+      <p:ext uri="{BB962C8B-B14F-4D97-AF65-F5344CB8AC3E}">
+        <p14:creationId xmlns:p14="http://schemas.microsoft.com/office/powerpoint/2010/main" val="178282595"/>
+      </p:ext>
+    </p:extLst>
+  </p:cSld>
+  <p:clrMapOvr>
+    <a:masterClrMapping/>
+  </p:clrMapOvr>
+</p:sld>
+</file>
+
+<file path=ppt/slides/slide7.xml><?xml version="1.0" encoding="utf-8"?>
+<p:sld xmlns:a="http://schemas.openxmlformats.org/drawingml/2006/main" xmlns:r="http://schemas.openxmlformats.org/officeDocument/2006/relationships" xmlns:p="http://schemas.openxmlformats.org/presentationml/2006/main">
+  <p:cSld>
+    <p:spTree>
+      <p:nvGrpSpPr>
+        <p:cNvPr id="1" name=""/>
+        <p:cNvGrpSpPr/>
+        <p:nvPr/>
+      </p:nvGrpSpPr>
+      <p:grpSpPr>
+        <a:xfrm>
+          <a:off x="0" y="0"/>
+          <a:ext cx="0" cy="0"/>
+          <a:chOff x="0" y="0"/>
+          <a:chExt cx="0" cy="0"/>
+        </a:xfrm>
+      </p:grpSpPr>
+      <p:sp>
+        <p:nvSpPr>
+          <p:cNvPr id="2" name="TextBox 1">
+            <a:extLst>
+              <a:ext uri="{FF2B5EF4-FFF2-40B4-BE49-F238E27FC236}">
+                <a16:creationId xmlns:a16="http://schemas.microsoft.com/office/drawing/2014/main" id="{A8A6EB79-5FF9-4DEC-8A48-88B616660041}"/>
+              </a:ext>
+            </a:extLst>
+          </p:cNvPr>
+          <p:cNvSpPr txBox="1"/>
+          <p:nvPr/>
+        </p:nvSpPr>
+        <p:spPr>
+          <a:xfrm>
+            <a:off x="158757" y="112115"/>
+            <a:ext cx="779765" cy="369332"/>
+          </a:xfrm>
+          <a:prstGeom prst="rect">
+            <a:avLst/>
+          </a:prstGeom>
+          <a:noFill/>
+        </p:spPr>
+        <p:txBody>
+          <a:bodyPr wrap="none" rtlCol="0">
+            <a:spAutoFit/>
+          </a:bodyPr>
+          <a:lstStyle/>
+          <a:p>
+            <a:r>
+              <a:rPr lang="en-IN" b="1"/>
+              <a:t>Step 6</a:t>
+            </a:r>
+          </a:p>
+        </p:txBody>
+      </p:sp>
+      <p:pic>
+        <p:nvPicPr>
+          <p:cNvPr id="4" name="Picture 3">
+            <a:extLst>
+              <a:ext uri="{FF2B5EF4-FFF2-40B4-BE49-F238E27FC236}">
+                <a16:creationId xmlns:a16="http://schemas.microsoft.com/office/drawing/2014/main" id="{661E003D-D19A-4730-BC24-F73A044B5C9B}"/>
+              </a:ext>
+            </a:extLst>
+          </p:cNvPr>
+          <p:cNvPicPr>
+            <a:picLocks noChangeAspect="1"/>
+          </p:cNvPicPr>
+          <p:nvPr/>
+        </p:nvPicPr>
+        <p:blipFill>
+          <a:blip r:embed="rId2">
+            <a:extLst>
+              <a:ext uri="{28A0092B-C50C-407E-A947-70E740481C1C}">
+                <a14:useLocalDpi xmlns:a14="http://schemas.microsoft.com/office/drawing/2010/main" val="0"/>
+              </a:ext>
+            </a:extLst>
+          </a:blip>
+          <a:stretch>
+            <a:fillRect/>
+          </a:stretch>
+        </p:blipFill>
+        <p:spPr>
+          <a:xfrm>
+            <a:off x="303170" y="678395"/>
+            <a:ext cx="7124571" cy="2889578"/>
+          </a:xfrm>
+          <a:prstGeom prst="rect">
+            <a:avLst/>
+          </a:prstGeom>
+        </p:spPr>
+      </p:pic>
+      <p:sp>
+        <p:nvSpPr>
+          <p:cNvPr id="6" name="Rectangle 5">
+            <a:extLst>
+              <a:ext uri="{FF2B5EF4-FFF2-40B4-BE49-F238E27FC236}">
+                <a16:creationId xmlns:a16="http://schemas.microsoft.com/office/drawing/2014/main" id="{8C031CAF-0C05-4BD9-B990-419445358CB3}"/>
+              </a:ext>
+            </a:extLst>
+          </p:cNvPr>
+          <p:cNvSpPr/>
+          <p:nvPr/>
+        </p:nvSpPr>
+        <p:spPr>
+          <a:xfrm>
+            <a:off x="2106020" y="1106076"/>
+            <a:ext cx="4533932" cy="202219"/>
+          </a:xfrm>
+          <a:prstGeom prst="rect">
+            <a:avLst/>
+          </a:prstGeom>
+          <a:solidFill>
+            <a:srgbClr val="FFFF00">
+              <a:alpha val="21176"/>
+            </a:srgbClr>
+          </a:solidFill>
+          <a:ln>
+            <a:noFill/>
+          </a:ln>
+        </p:spPr>
+        <p:style>
+          <a:lnRef idx="2">
+            <a:schemeClr val="accent1">
+              <a:shade val="50000"/>
+            </a:schemeClr>
+          </a:lnRef>
+          <a:fillRef idx="1">
+            <a:schemeClr val="accent1"/>
+          </a:fillRef>
+          <a:effectRef idx="0">
+            <a:schemeClr val="accent1"/>
+          </a:effectRef>
+          <a:fontRef idx="minor">
+            <a:schemeClr val="lt1"/>
+          </a:fontRef>
+        </p:style>
+        <p:txBody>
+          <a:bodyPr rtlCol="0" anchor="ctr"/>
+          <a:lstStyle/>
+          <a:p>
+            <a:pPr algn="ctr"/>
+            <a:endParaRPr lang="en-IN"/>
+          </a:p>
+        </p:txBody>
+      </p:sp>
+      <p:graphicFrame>
+        <p:nvGraphicFramePr>
+          <p:cNvPr id="7" name="Table 6">
+            <a:extLst>
+              <a:ext uri="{FF2B5EF4-FFF2-40B4-BE49-F238E27FC236}">
+                <a16:creationId xmlns:a16="http://schemas.microsoft.com/office/drawing/2014/main" id="{6E509A57-139B-4A06-B98C-9DBA21F1F9A7}"/>
+              </a:ext>
+            </a:extLst>
+          </p:cNvPr>
+          <p:cNvGraphicFramePr>
+            <a:graphicFrameLocks noGrp="1"/>
+          </p:cNvGraphicFramePr>
+          <p:nvPr>
+            <p:extLst>
+              <p:ext uri="{D42A27DB-BD31-4B8C-83A1-F6EECF244321}">
+                <p14:modId xmlns:p14="http://schemas.microsoft.com/office/powerpoint/2010/main" val="3337926616"/>
+              </p:ext>
+            </p:extLst>
+          </p:nvPr>
+        </p:nvGraphicFramePr>
+        <p:xfrm>
+          <a:off x="548639" y="4419469"/>
+          <a:ext cx="8128000" cy="1483360"/>
+        </p:xfrm>
+        <a:graphic>
+          <a:graphicData uri="http://schemas.openxmlformats.org/drawingml/2006/table">
+            <a:tbl>
+              <a:tblPr firstRow="1" bandRow="1">
+                <a:tableStyleId>{5940675A-B579-460E-94D1-54222C63F5DA}</a:tableStyleId>
+              </a:tblPr>
+              <a:tblGrid>
+                <a:gridCol w="4064000">
+                  <a:extLst>
+                    <a:ext uri="{9D8B030D-6E8A-4147-A177-3AD203B41FA5}">
+                      <a16:colId xmlns:a16="http://schemas.microsoft.com/office/drawing/2014/main" val="177731906"/>
+                    </a:ext>
+                  </a:extLst>
+                </a:gridCol>
+                <a:gridCol w="4064000">
+                  <a:extLst>
+                    <a:ext uri="{9D8B030D-6E8A-4147-A177-3AD203B41FA5}">
+                      <a16:colId xmlns:a16="http://schemas.microsoft.com/office/drawing/2014/main" val="1150529400"/>
+                    </a:ext>
+                  </a:extLst>
+                </a:gridCol>
+              </a:tblGrid>
+              <a:tr h="370840">
+                <a:tc>
+                  <a:txBody>
+                    <a:bodyPr/>
+                    <a:lstStyle/>
+                    <a:p>
+                      <a:r>
+                        <a:rPr lang="en-IN" b="1"/>
+                        <a:t>Quote</a:t>
+                      </a:r>
+                    </a:p>
+                  </a:txBody>
+                  <a:tcPr>
+                    <a:solidFill>
+                      <a:schemeClr val="bg1">
+                        <a:lumMod val="75000"/>
+                      </a:schemeClr>
+                    </a:solidFill>
+                  </a:tcPr>
+                </a:tc>
+                <a:tc>
+                  <a:txBody>
+                    <a:bodyPr/>
+                    <a:lstStyle/>
+                    <a:p>
+                      <a:r>
+                        <a:rPr lang="en-IN" b="1"/>
+                        <a:t>Credit</a:t>
+                      </a:r>
+                    </a:p>
+                  </a:txBody>
+                  <a:tcPr>
+                    <a:solidFill>
+                      <a:schemeClr val="bg1">
+                        <a:lumMod val="75000"/>
+                      </a:schemeClr>
+                    </a:solidFill>
+                  </a:tcPr>
+                </a:tc>
+                <a:extLst>
+                  <a:ext uri="{0D108BD9-81ED-4DB2-BD59-A6C34878D82A}">
+                    <a16:rowId xmlns:a16="http://schemas.microsoft.com/office/drawing/2014/main" val="2744265499"/>
+                  </a:ext>
+                </a:extLst>
+              </a:tr>
+              <a:tr h="370840">
+                <a:tc>
+                  <a:txBody>
+                    <a:bodyPr/>
+                    <a:lstStyle/>
+                    <a:p>
+                      <a:r>
+                        <a:rPr lang="en-IN"/>
+                        <a:t>Random string 1</a:t>
+                      </a:r>
+                    </a:p>
+                  </a:txBody>
+                  <a:tcPr/>
+                </a:tc>
+                <a:tc>
+                  <a:txBody>
+                    <a:bodyPr/>
+                    <a:lstStyle/>
+                    <a:p>
+                      <a:r>
+                        <a:rPr lang="en-IN"/>
+                        <a:t>Random guy 1</a:t>
+                      </a:r>
+                    </a:p>
+                  </a:txBody>
+                  <a:tcPr/>
+                </a:tc>
+                <a:extLst>
+                  <a:ext uri="{0D108BD9-81ED-4DB2-BD59-A6C34878D82A}">
+                    <a16:rowId xmlns:a16="http://schemas.microsoft.com/office/drawing/2014/main" val="2546167051"/>
+                  </a:ext>
+                </a:extLst>
+              </a:tr>
+              <a:tr h="370840">
+                <a:tc>
+                  <a:txBody>
+                    <a:bodyPr/>
+                    <a:lstStyle/>
+                    <a:p>
+                      <a:pPr marL="0" marR="0" lvl="0" indent="0" algn="l" defTabSz="914400" rtl="0" eaLnBrk="1" fontAlgn="auto" latinLnBrk="0" hangingPunct="1">
+                        <a:lnSpc>
+                          <a:spcPct val="100000"/>
+                        </a:lnSpc>
+                        <a:spcBef>
+                          <a:spcPts val="0"/>
+                        </a:spcBef>
+                        <a:spcAft>
+                          <a:spcPts val="0"/>
+                        </a:spcAft>
+                        <a:buClrTx/>
+                        <a:buSzTx/>
+                        <a:buFontTx/>
+                        <a:buNone/>
+                        <a:tabLst/>
+                        <a:defRPr/>
+                      </a:pPr>
+                      <a:r>
+                        <a:rPr lang="en-IN"/>
+                        <a:t>Random string 2</a:t>
+                      </a:r>
+                    </a:p>
+                  </a:txBody>
+                  <a:tcPr/>
+                </a:tc>
+                <a:tc>
+                  <a:txBody>
+                    <a:bodyPr/>
+                    <a:lstStyle/>
+                    <a:p>
+                      <a:pPr marL="0" marR="0" lvl="0" indent="0" algn="l" defTabSz="914400" rtl="0" eaLnBrk="1" fontAlgn="auto" latinLnBrk="0" hangingPunct="1">
+                        <a:lnSpc>
+                          <a:spcPct val="100000"/>
+                        </a:lnSpc>
+                        <a:spcBef>
+                          <a:spcPts val="0"/>
+                        </a:spcBef>
+                        <a:spcAft>
+                          <a:spcPts val="0"/>
+                        </a:spcAft>
+                        <a:buClrTx/>
+                        <a:buSzTx/>
+                        <a:buFontTx/>
+                        <a:buNone/>
+                        <a:tabLst/>
+                        <a:defRPr/>
+                      </a:pPr>
+                      <a:r>
+                        <a:rPr lang="en-IN"/>
+                        <a:t>Random guy 2</a:t>
+                      </a:r>
+                    </a:p>
+                  </a:txBody>
+                  <a:tcPr/>
+                </a:tc>
+                <a:extLst>
+                  <a:ext uri="{0D108BD9-81ED-4DB2-BD59-A6C34878D82A}">
+                    <a16:rowId xmlns:a16="http://schemas.microsoft.com/office/drawing/2014/main" val="40687229"/>
+                  </a:ext>
+                </a:extLst>
+              </a:tr>
+              <a:tr h="370840">
+                <a:tc>
+                  <a:txBody>
+                    <a:bodyPr/>
+                    <a:lstStyle/>
+                    <a:p>
+                      <a:pPr marL="0" marR="0" lvl="0" indent="0" algn="l" defTabSz="914400" rtl="0" eaLnBrk="1" fontAlgn="auto" latinLnBrk="0" hangingPunct="1">
+                        <a:lnSpc>
+                          <a:spcPct val="100000"/>
+                        </a:lnSpc>
+                        <a:spcBef>
+                          <a:spcPts val="0"/>
+                        </a:spcBef>
+                        <a:spcAft>
+                          <a:spcPts val="0"/>
+                        </a:spcAft>
+                        <a:buClrTx/>
+                        <a:buSzTx/>
+                        <a:buFontTx/>
+                        <a:buNone/>
+                        <a:tabLst/>
+                        <a:defRPr/>
+                      </a:pPr>
+                      <a:r>
+                        <a:rPr lang="en-IN"/>
+                        <a:t>Random string 3</a:t>
+                      </a:r>
+                    </a:p>
+                  </a:txBody>
+                  <a:tcPr/>
+                </a:tc>
+                <a:tc>
+                  <a:txBody>
+                    <a:bodyPr/>
+                    <a:lstStyle/>
+                    <a:p>
+                      <a:r>
+                        <a:rPr lang="en-IN"/>
+                        <a:t>Random guy 3</a:t>
+                      </a:r>
+                    </a:p>
+                  </a:txBody>
+                  <a:tcPr/>
+                </a:tc>
+                <a:extLst>
+                  <a:ext uri="{0D108BD9-81ED-4DB2-BD59-A6C34878D82A}">
+                    <a16:rowId xmlns:a16="http://schemas.microsoft.com/office/drawing/2014/main" val="3988206842"/>
+                  </a:ext>
+                </a:extLst>
+              </a:tr>
+            </a:tbl>
+          </a:graphicData>
+        </a:graphic>
+      </p:graphicFrame>
+      <p:sp>
+        <p:nvSpPr>
+          <p:cNvPr id="8" name="TextBox 7">
+            <a:extLst>
+              <a:ext uri="{FF2B5EF4-FFF2-40B4-BE49-F238E27FC236}">
+                <a16:creationId xmlns:a16="http://schemas.microsoft.com/office/drawing/2014/main" id="{6376DB8A-28A8-4486-8B93-007C6F31F476}"/>
+              </a:ext>
+            </a:extLst>
+          </p:cNvPr>
+          <p:cNvSpPr txBox="1"/>
+          <p:nvPr/>
+        </p:nvSpPr>
+        <p:spPr>
+          <a:xfrm>
+            <a:off x="303170" y="3998800"/>
+            <a:ext cx="2025234" cy="369332"/>
+          </a:xfrm>
+          <a:prstGeom prst="rect">
+            <a:avLst/>
+          </a:prstGeom>
+          <a:noFill/>
+        </p:spPr>
+        <p:txBody>
+          <a:bodyPr wrap="none" rtlCol="0">
+            <a:spAutoFit/>
+          </a:bodyPr>
+          <a:lstStyle/>
+          <a:p>
+            <a:r>
+              <a:rPr lang="en-IN"/>
+              <a:t>Table name: </a:t>
+            </a:r>
+            <a:r>
+              <a:rPr lang="en-IN" b="1"/>
+              <a:t>quotes</a:t>
+            </a:r>
+          </a:p>
+        </p:txBody>
+      </p:sp>
+    </p:spTree>
+    <p:extLst>
+      <p:ext uri="{BB962C8B-B14F-4D97-AF65-F5344CB8AC3E}">
+        <p14:creationId xmlns:p14="http://schemas.microsoft.com/office/powerpoint/2010/main" val="583257520"/>
+      </p:ext>
+    </p:extLst>
+  </p:cSld>
+  <p:clrMapOvr>
+    <a:masterClrMapping/>
+  </p:clrMapOvr>
+</p:sld>
+</file>
+
+<file path=ppt/slides/slide8.xml><?xml version="1.0" encoding="utf-8"?>
+<p:sld xmlns:a="http://schemas.openxmlformats.org/drawingml/2006/main" xmlns:r="http://schemas.openxmlformats.org/officeDocument/2006/relationships" xmlns:p="http://schemas.openxmlformats.org/presentationml/2006/main">
+  <p:cSld>
+    <p:spTree>
+      <p:nvGrpSpPr>
+        <p:cNvPr id="1" name=""/>
+        <p:cNvGrpSpPr/>
+        <p:nvPr/>
+      </p:nvGrpSpPr>
+      <p:grpSpPr>
+        <a:xfrm>
+          <a:off x="0" y="0"/>
+          <a:ext cx="0" cy="0"/>
+          <a:chOff x="0" y="0"/>
+          <a:chExt cx="0" cy="0"/>
+        </a:xfrm>
+      </p:grpSpPr>
+      <p:sp>
+        <p:nvSpPr>
+          <p:cNvPr id="2" name="TextBox 1">
+            <a:extLst>
+              <a:ext uri="{FF2B5EF4-FFF2-40B4-BE49-F238E27FC236}">
+                <a16:creationId xmlns:a16="http://schemas.microsoft.com/office/drawing/2014/main" id="{A8A6EB79-5FF9-4DEC-8A48-88B616660041}"/>
+              </a:ext>
+            </a:extLst>
+          </p:cNvPr>
+          <p:cNvSpPr txBox="1"/>
+          <p:nvPr/>
+        </p:nvSpPr>
+        <p:spPr>
+          <a:xfrm>
+            <a:off x="158757" y="112115"/>
+            <a:ext cx="779765" cy="369332"/>
+          </a:xfrm>
+          <a:prstGeom prst="rect">
+            <a:avLst/>
+          </a:prstGeom>
+          <a:noFill/>
+        </p:spPr>
+        <p:txBody>
+          <a:bodyPr wrap="none" rtlCol="0">
+            <a:spAutoFit/>
+          </a:bodyPr>
+          <a:lstStyle/>
+          <a:p>
+            <a:r>
+              <a:rPr lang="en-IN" b="1"/>
+              <a:t>Step 7</a:t>
+            </a:r>
+          </a:p>
+        </p:txBody>
+      </p:sp>
+      <p:sp>
+        <p:nvSpPr>
+          <p:cNvPr id="5" name="TextBox 4">
+            <a:extLst>
+              <a:ext uri="{FF2B5EF4-FFF2-40B4-BE49-F238E27FC236}">
+                <a16:creationId xmlns:a16="http://schemas.microsoft.com/office/drawing/2014/main" id="{ACA7C595-1938-45C0-8A45-335DBE9DAD08}"/>
+              </a:ext>
+            </a:extLst>
+          </p:cNvPr>
+          <p:cNvSpPr txBox="1"/>
+          <p:nvPr/>
+        </p:nvSpPr>
+        <p:spPr>
+          <a:xfrm>
+            <a:off x="260966" y="663847"/>
+            <a:ext cx="8832739" cy="369332"/>
+          </a:xfrm>
+          <a:prstGeom prst="rect">
+            <a:avLst/>
+          </a:prstGeom>
+          <a:noFill/>
+        </p:spPr>
+        <p:txBody>
+          <a:bodyPr wrap="none" rtlCol="0">
+            <a:spAutoFit/>
+          </a:bodyPr>
+          <a:lstStyle/>
+          <a:p>
+            <a:r>
+              <a:rPr lang="en-IN"/>
+              <a:t>We now would connect to AWS DB via node js mysql and just print the quote in index.html.. </a:t>
+            </a:r>
+          </a:p>
+        </p:txBody>
+      </p:sp>
+      <p:pic>
+        <p:nvPicPr>
+          <p:cNvPr id="3" name="Picture 2">
+            <a:extLst>
+              <a:ext uri="{FF2B5EF4-FFF2-40B4-BE49-F238E27FC236}">
+                <a16:creationId xmlns:a16="http://schemas.microsoft.com/office/drawing/2014/main" id="{6A8E7222-7B01-41B6-9936-3CB854CEA4B2}"/>
+              </a:ext>
+            </a:extLst>
+          </p:cNvPr>
+          <p:cNvPicPr>
+            <a:picLocks noChangeAspect="1"/>
+          </p:cNvPicPr>
+          <p:nvPr/>
+        </p:nvPicPr>
+        <p:blipFill>
+          <a:blip r:embed="rId2"/>
+          <a:stretch>
+            <a:fillRect/>
+          </a:stretch>
+        </p:blipFill>
+        <p:spPr>
+          <a:xfrm>
+            <a:off x="411371" y="1515487"/>
+            <a:ext cx="6698783" cy="4678666"/>
+          </a:xfrm>
+          <a:prstGeom prst="rect">
+            <a:avLst/>
+          </a:prstGeom>
+        </p:spPr>
+      </p:pic>
+      <p:sp>
+        <p:nvSpPr>
+          <p:cNvPr id="7" name="Rectangle 6">
+            <a:extLst>
+              <a:ext uri="{FF2B5EF4-FFF2-40B4-BE49-F238E27FC236}">
+                <a16:creationId xmlns:a16="http://schemas.microsoft.com/office/drawing/2014/main" id="{F100D579-CE9C-4BE0-B130-86A6A0708B2B}"/>
+              </a:ext>
+            </a:extLst>
+          </p:cNvPr>
+          <p:cNvSpPr/>
+          <p:nvPr/>
+        </p:nvSpPr>
+        <p:spPr>
+          <a:xfrm>
+            <a:off x="1079077" y="3103688"/>
+            <a:ext cx="5898497" cy="1018146"/>
+          </a:xfrm>
+          <a:prstGeom prst="rect">
+            <a:avLst/>
+          </a:prstGeom>
+          <a:solidFill>
+            <a:srgbClr val="FFFF00">
+              <a:alpha val="21176"/>
+            </a:srgbClr>
+          </a:solidFill>
+          <a:ln>
+            <a:noFill/>
+          </a:ln>
+        </p:spPr>
+        <p:style>
+          <a:lnRef idx="2">
+            <a:schemeClr val="accent1">
+              <a:shade val="50000"/>
+            </a:schemeClr>
+          </a:lnRef>
+          <a:fillRef idx="1">
+            <a:schemeClr val="accent1"/>
+          </a:fillRef>
+          <a:effectRef idx="0">
+            <a:schemeClr val="accent1"/>
+          </a:effectRef>
+          <a:fontRef idx="minor">
+            <a:schemeClr val="lt1"/>
+          </a:fontRef>
+        </p:style>
+        <p:txBody>
+          <a:bodyPr rtlCol="0" anchor="ctr"/>
+          <a:lstStyle/>
+          <a:p>
+            <a:pPr algn="ctr"/>
+            <a:endParaRPr lang="en-IN"/>
+          </a:p>
+        </p:txBody>
+      </p:sp>
+      <p:sp>
+        <p:nvSpPr>
+          <p:cNvPr id="8" name="Rectangle 7">
+            <a:extLst>
+              <a:ext uri="{FF2B5EF4-FFF2-40B4-BE49-F238E27FC236}">
+                <a16:creationId xmlns:a16="http://schemas.microsoft.com/office/drawing/2014/main" id="{671EF519-2F9E-4B03-AA5E-A92635F5066E}"/>
+              </a:ext>
+            </a:extLst>
+          </p:cNvPr>
+          <p:cNvSpPr/>
+          <p:nvPr/>
+        </p:nvSpPr>
+        <p:spPr>
+          <a:xfrm>
+            <a:off x="411372" y="5839854"/>
+            <a:ext cx="2008272" cy="237389"/>
+          </a:xfrm>
+          <a:prstGeom prst="rect">
+            <a:avLst/>
+          </a:prstGeom>
+          <a:solidFill>
+            <a:srgbClr val="FFFF00">
+              <a:alpha val="21176"/>
+            </a:srgbClr>
+          </a:solidFill>
+          <a:ln>
+            <a:noFill/>
+          </a:ln>
+        </p:spPr>
+        <p:style>
+          <a:lnRef idx="2">
+            <a:schemeClr val="accent1">
+              <a:shade val="50000"/>
+            </a:schemeClr>
+          </a:lnRef>
+          <a:fillRef idx="1">
+            <a:schemeClr val="accent1"/>
+          </a:fillRef>
+          <a:effectRef idx="0">
+            <a:schemeClr val="accent1"/>
+          </a:effectRef>
+          <a:fontRef idx="minor">
+            <a:schemeClr val="lt1"/>
+          </a:fontRef>
+        </p:style>
+        <p:txBody>
+          <a:bodyPr rtlCol="0" anchor="ctr"/>
+          <a:lstStyle/>
+          <a:p>
+            <a:pPr algn="ctr"/>
+            <a:endParaRPr lang="en-IN"/>
+          </a:p>
+        </p:txBody>
+      </p:sp>
+    </p:spTree>
+    <p:extLst>
+      <p:ext uri="{BB962C8B-B14F-4D97-AF65-F5344CB8AC3E}">
+        <p14:creationId xmlns:p14="http://schemas.microsoft.com/office/powerpoint/2010/main" val="2412424621"/>
+      </p:ext>
+    </p:extLst>
+  </p:cSld>
+  <p:clrMapOvr>
+    <a:masterClrMapping/>
+  </p:clrMapOvr>
+</p:sld>
+</file>
+
+<file path=ppt/slides/slide9.xml><?xml version="1.0" encoding="utf-8"?>
+<p:sld xmlns:a="http://schemas.openxmlformats.org/drawingml/2006/main" xmlns:r="http://schemas.openxmlformats.org/officeDocument/2006/relationships" xmlns:p="http://schemas.openxmlformats.org/presentationml/2006/main">
+  <p:cSld>
+    <p:spTree>
+      <p:nvGrpSpPr>
+        <p:cNvPr id="1" name=""/>
+        <p:cNvGrpSpPr/>
+        <p:nvPr/>
+      </p:nvGrpSpPr>
+      <p:grpSpPr>
+        <a:xfrm>
+          <a:off x="0" y="0"/>
+          <a:ext cx="0" cy="0"/>
+          <a:chOff x="0" y="0"/>
+          <a:chExt cx="0" cy="0"/>
+        </a:xfrm>
+      </p:grpSpPr>
+      <p:sp>
+        <p:nvSpPr>
+          <p:cNvPr id="2" name="TextBox 1">
+            <a:extLst>
+              <a:ext uri="{FF2B5EF4-FFF2-40B4-BE49-F238E27FC236}">
+                <a16:creationId xmlns:a16="http://schemas.microsoft.com/office/drawing/2014/main" id="{A8A6EB79-5FF9-4DEC-8A48-88B616660041}"/>
+              </a:ext>
+            </a:extLst>
+          </p:cNvPr>
+          <p:cNvSpPr txBox="1"/>
+          <p:nvPr/>
+        </p:nvSpPr>
+        <p:spPr>
+          <a:xfrm>
+            <a:off x="158757" y="112115"/>
+            <a:ext cx="779765" cy="369332"/>
+          </a:xfrm>
+          <a:prstGeom prst="rect">
+            <a:avLst/>
+          </a:prstGeom>
+          <a:noFill/>
+        </p:spPr>
+        <p:txBody>
+          <a:bodyPr wrap="none" rtlCol="0">
+            <a:spAutoFit/>
+          </a:bodyPr>
+          <a:lstStyle/>
+          <a:p>
+            <a:r>
+              <a:rPr lang="en-IN" b="1"/>
+              <a:t>Step 7</a:t>
+            </a:r>
+          </a:p>
+        </p:txBody>
+      </p:sp>
+      <p:sp>
+        <p:nvSpPr>
+          <p:cNvPr id="5" name="TextBox 4">
+            <a:extLst>
+              <a:ext uri="{FF2B5EF4-FFF2-40B4-BE49-F238E27FC236}">
+                <a16:creationId xmlns:a16="http://schemas.microsoft.com/office/drawing/2014/main" id="{ACA7C595-1938-45C0-8A45-335DBE9DAD08}"/>
+              </a:ext>
+            </a:extLst>
+          </p:cNvPr>
+          <p:cNvSpPr txBox="1"/>
+          <p:nvPr/>
+        </p:nvSpPr>
+        <p:spPr>
+          <a:xfrm>
+            <a:off x="260966" y="663847"/>
+            <a:ext cx="8832739" cy="369332"/>
+          </a:xfrm>
+          <a:prstGeom prst="rect">
+            <a:avLst/>
+          </a:prstGeom>
+          <a:noFill/>
+        </p:spPr>
+        <p:txBody>
+          <a:bodyPr wrap="none" rtlCol="0">
+            <a:spAutoFit/>
+          </a:bodyPr>
+          <a:lstStyle/>
+          <a:p>
+            <a:r>
+              <a:rPr lang="en-IN"/>
+              <a:t>We now would connect to AWS DB via node js mysql and just print the quote in index.html.. </a:t>
+            </a:r>
+          </a:p>
+        </p:txBody>
+      </p:sp>
+      <p:pic>
+        <p:nvPicPr>
+          <p:cNvPr id="4" name="Picture 3">
+            <a:extLst>
+              <a:ext uri="{FF2B5EF4-FFF2-40B4-BE49-F238E27FC236}">
+                <a16:creationId xmlns:a16="http://schemas.microsoft.com/office/drawing/2014/main" id="{7403375E-433D-4D19-8FEF-400154C7EBE5}"/>
+              </a:ext>
+            </a:extLst>
+          </p:cNvPr>
+          <p:cNvPicPr>
+            <a:picLocks noChangeAspect="1"/>
+          </p:cNvPicPr>
+          <p:nvPr/>
+        </p:nvPicPr>
+        <p:blipFill>
+          <a:blip r:embed="rId2"/>
+          <a:stretch>
+            <a:fillRect/>
+          </a:stretch>
+        </p:blipFill>
+        <p:spPr>
+          <a:xfrm>
+            <a:off x="0" y="1191506"/>
+            <a:ext cx="7070408" cy="5002647"/>
+          </a:xfrm>
+          <a:prstGeom prst="rect">
+            <a:avLst/>
+          </a:prstGeom>
+        </p:spPr>
+      </p:pic>
+      <p:sp>
+        <p:nvSpPr>
+          <p:cNvPr id="9" name="Rectangle 8">
+            <a:extLst>
+              <a:ext uri="{FF2B5EF4-FFF2-40B4-BE49-F238E27FC236}">
+                <a16:creationId xmlns:a16="http://schemas.microsoft.com/office/drawing/2014/main" id="{45F165C6-D324-452F-9DB2-30DAE0143343}"/>
+              </a:ext>
+            </a:extLst>
+          </p:cNvPr>
+          <p:cNvSpPr/>
+          <p:nvPr/>
+        </p:nvSpPr>
+        <p:spPr>
+          <a:xfrm>
+            <a:off x="910266" y="2919926"/>
+            <a:ext cx="5898497" cy="2746567"/>
+          </a:xfrm>
+          <a:prstGeom prst="rect">
+            <a:avLst/>
+          </a:prstGeom>
+          <a:solidFill>
+            <a:srgbClr val="FFFF00">
+              <a:alpha val="21176"/>
+            </a:srgbClr>
+          </a:solidFill>
+          <a:ln>
+            <a:noFill/>
+          </a:ln>
+        </p:spPr>
+        <p:style>
+          <a:lnRef idx="2">
+            <a:schemeClr val="accent1">
+              <a:shade val="50000"/>
+            </a:schemeClr>
+          </a:lnRef>
+          <a:fillRef idx="1">
+            <a:schemeClr val="accent1"/>
+          </a:fillRef>
+          <a:effectRef idx="0">
+            <a:schemeClr val="accent1"/>
+          </a:effectRef>
+          <a:fontRef idx="minor">
+            <a:schemeClr val="lt1"/>
+          </a:fontRef>
+        </p:style>
+        <p:txBody>
+          <a:bodyPr rtlCol="0" anchor="ctr"/>
+          <a:lstStyle/>
+          <a:p>
+            <a:pPr algn="ctr"/>
+            <a:endParaRPr lang="en-IN"/>
+          </a:p>
+        </p:txBody>
+      </p:sp>
+      <p:pic>
+        <p:nvPicPr>
+          <p:cNvPr id="10" name="Picture 9">
+            <a:extLst>
+              <a:ext uri="{FF2B5EF4-FFF2-40B4-BE49-F238E27FC236}">
+                <a16:creationId xmlns:a16="http://schemas.microsoft.com/office/drawing/2014/main" id="{C0BB47F3-27BD-4CE6-89B7-1555F62619B5}"/>
+              </a:ext>
+            </a:extLst>
+          </p:cNvPr>
+          <p:cNvPicPr>
+            <a:picLocks noChangeAspect="1"/>
+          </p:cNvPicPr>
+          <p:nvPr/>
+        </p:nvPicPr>
+        <p:blipFill>
+          <a:blip r:embed="rId3">
+            <a:extLst>
+              <a:ext uri="{28A0092B-C50C-407E-A947-70E740481C1C}">
+                <a14:useLocalDpi xmlns:a14="http://schemas.microsoft.com/office/drawing/2010/main" val="0"/>
+              </a:ext>
+            </a:extLst>
+          </a:blip>
+          <a:stretch>
+            <a:fillRect/>
+          </a:stretch>
+        </p:blipFill>
+        <p:spPr>
+          <a:xfrm>
+            <a:off x="6903911" y="1618440"/>
+            <a:ext cx="5288089" cy="2165770"/>
+          </a:xfrm>
+          <a:prstGeom prst="rect">
+            <a:avLst/>
+          </a:prstGeom>
+        </p:spPr>
+      </p:pic>
+      <p:sp>
+        <p:nvSpPr>
+          <p:cNvPr id="11" name="Rectangle 10">
+            <a:extLst>
+              <a:ext uri="{FF2B5EF4-FFF2-40B4-BE49-F238E27FC236}">
+                <a16:creationId xmlns:a16="http://schemas.microsoft.com/office/drawing/2014/main" id="{B1D445D0-979C-4979-A1EB-D704499AF723}"/>
+              </a:ext>
+            </a:extLst>
+          </p:cNvPr>
+          <p:cNvSpPr/>
+          <p:nvPr/>
+        </p:nvSpPr>
+        <p:spPr>
+          <a:xfrm>
+            <a:off x="7395472" y="3183756"/>
+            <a:ext cx="2058018" cy="245244"/>
+          </a:xfrm>
+          <a:prstGeom prst="rect">
+            <a:avLst/>
+          </a:prstGeom>
+          <a:solidFill>
+            <a:srgbClr val="FFFF00">
+              <a:alpha val="21176"/>
+            </a:srgbClr>
+          </a:solidFill>
+          <a:ln>
+            <a:noFill/>
+          </a:ln>
+        </p:spPr>
+        <p:style>
+          <a:lnRef idx="2">
+            <a:schemeClr val="accent1">
+              <a:shade val="50000"/>
+            </a:schemeClr>
+          </a:lnRef>
+          <a:fillRef idx="1">
+            <a:schemeClr val="accent1"/>
+          </a:fillRef>
+          <a:effectRef idx="0">
+            <a:schemeClr val="accent1"/>
+          </a:effectRef>
+          <a:fontRef idx="minor">
+            <a:schemeClr val="lt1"/>
+          </a:fontRef>
+        </p:style>
+        <p:txBody>
+          <a:bodyPr rtlCol="0" anchor="ctr"/>
+          <a:lstStyle/>
+          <a:p>
+            <a:pPr algn="ctr"/>
+            <a:endParaRPr lang="en-IN"/>
+          </a:p>
+        </p:txBody>
+      </p:sp>
+      <p:pic>
+        <p:nvPicPr>
+          <p:cNvPr id="13" name="Picture 12">
+            <a:extLst>
+              <a:ext uri="{FF2B5EF4-FFF2-40B4-BE49-F238E27FC236}">
+                <a16:creationId xmlns:a16="http://schemas.microsoft.com/office/drawing/2014/main" id="{455D8D56-85ED-4DB9-879A-7614B9D525FF}"/>
+              </a:ext>
+            </a:extLst>
+          </p:cNvPr>
+          <p:cNvPicPr>
+            <a:picLocks noChangeAspect="1"/>
+          </p:cNvPicPr>
+          <p:nvPr/>
+        </p:nvPicPr>
+        <p:blipFill>
+          <a:blip r:embed="rId4">
+            <a:extLst>
+              <a:ext uri="{28A0092B-C50C-407E-A947-70E740481C1C}">
+                <a14:useLocalDpi xmlns:a14="http://schemas.microsoft.com/office/drawing/2010/main" val="0"/>
+              </a:ext>
+            </a:extLst>
+          </a:blip>
+          <a:stretch>
+            <a:fillRect/>
+          </a:stretch>
+        </p:blipFill>
+        <p:spPr>
+          <a:xfrm>
+            <a:off x="7634453" y="4369471"/>
+            <a:ext cx="3505689" cy="1476581"/>
+          </a:xfrm>
+          <a:prstGeom prst="rect">
+            <a:avLst/>
+          </a:prstGeom>
+          <a:ln>
+            <a:solidFill>
+              <a:schemeClr val="tx1"/>
+            </a:solidFill>
+          </a:ln>
+        </p:spPr>
+      </p:pic>
+      <p:sp>
+        <p:nvSpPr>
+          <p:cNvPr id="14" name="TextBox 13">
+            <a:extLst>
+              <a:ext uri="{FF2B5EF4-FFF2-40B4-BE49-F238E27FC236}">
+                <a16:creationId xmlns:a16="http://schemas.microsoft.com/office/drawing/2014/main" id="{75302664-0D32-4DBB-A590-96DFA7147C61}"/>
+              </a:ext>
+            </a:extLst>
+          </p:cNvPr>
+          <p:cNvSpPr txBox="1"/>
+          <p:nvPr/>
+        </p:nvSpPr>
+        <p:spPr>
+          <a:xfrm>
+            <a:off x="7669043" y="6108147"/>
+            <a:ext cx="3757824" cy="646331"/>
+          </a:xfrm>
+          <a:prstGeom prst="rect">
+            <a:avLst/>
+          </a:prstGeom>
+          <a:noFill/>
+        </p:spPr>
+        <p:txBody>
+          <a:bodyPr wrap="none" rtlCol="0">
+            <a:spAutoFit/>
+          </a:bodyPr>
+          <a:lstStyle/>
+          <a:p>
+            <a:r>
+              <a:rPr lang="en-IN"/>
+              <a:t>Refreshing it would select randomly a </a:t>
+            </a:r>
+          </a:p>
+          <a:p>
+            <a:r>
+              <a:rPr lang="en-IN"/>
+              <a:t>ow of the SQL table to show here</a:t>
+            </a:r>
+          </a:p>
+        </p:txBody>
+      </p:sp>
+    </p:spTree>
+    <p:extLst>
+      <p:ext uri="{BB962C8B-B14F-4D97-AF65-F5344CB8AC3E}">
+        <p14:creationId xmlns:p14="http://schemas.microsoft.com/office/powerpoint/2010/main" val="1127324320"/>
+      </p:ext>
+    </p:extLst>
+  </p:cSld>
+  <p:clrMapOvr>
+    <a:masterClrMapping/>
+  </p:clrMapOvr>
+</p:sld>
+</file>
+
 <file path=ppt/theme/theme1.xml><?xml version="1.0" encoding="utf-8"?>
 <a:theme xmlns:a="http://schemas.openxmlformats.org/drawingml/2006/main" name="Office Theme">
   <a:themeElements>
